--- a/基础/011-kubernetes workloads.pptx
+++ b/基础/011-kubernetes workloads.pptx
@@ -5,11 +5,13 @@
     <p:sldMasterId id="2147483648" r:id="rId1"/>
   </p:sldMasterIdLst>
   <p:notesMasterIdLst>
-    <p:notesMasterId r:id="rId5"/>
+    <p:notesMasterId r:id="rId7"/>
   </p:notesMasterIdLst>
   <p:sldIdLst>
     <p:sldId id="268" r:id="rId3"/>
     <p:sldId id="269" r:id="rId4"/>
+    <p:sldId id="270" r:id="rId5"/>
+    <p:sldId id="271" r:id="rId6"/>
   </p:sldIdLst>
   <p:sldSz cx="12192000" cy="6858000"/>
   <p:notesSz cx="6858000" cy="9144000"/>
@@ -4105,6 +4107,1590 @@
 </p:sld>
 </file>
 
+<file path=ppt/slides/slide3.xml><?xml version="1.0" encoding="utf-8"?>
+<p:sld xmlns:a="http://schemas.openxmlformats.org/drawingml/2006/main" xmlns:r="http://schemas.openxmlformats.org/officeDocument/2006/relationships" xmlns:p="http://schemas.openxmlformats.org/presentationml/2006/main">
+  <p:cSld>
+    <p:spTree>
+      <p:nvGrpSpPr>
+        <p:cNvPr id="1" name=""/>
+        <p:cNvGrpSpPr/>
+        <p:nvPr/>
+      </p:nvGrpSpPr>
+      <p:grpSpPr/>
+      <p:sp>
+        <p:nvSpPr>
+          <p:cNvPr id="3" name="文本框 2"/>
+          <p:cNvSpPr txBox="1"/>
+          <p:nvPr/>
+        </p:nvSpPr>
+        <p:spPr>
+          <a:xfrm>
+            <a:off x="0" y="0"/>
+            <a:ext cx="4366895" cy="506730"/>
+          </a:xfrm>
+          <a:prstGeom prst="rect">
+            <a:avLst/>
+          </a:prstGeom>
+          <a:noFill/>
+        </p:spPr>
+        <p:txBody>
+          <a:bodyPr wrap="square" rtlCol="0">
+            <a:spAutoFit/>
+          </a:bodyPr>
+          <a:p>
+            <a:pPr algn="ctr">
+              <a:lnSpc>
+                <a:spcPct val="150000"/>
+              </a:lnSpc>
+            </a:pPr>
+            <a:r>
+              <a:rPr lang="en-US" altLang="zh-CN" b="1">
+                <a:latin typeface="Times New Roman" panose="02020603050405020304" charset="0"/>
+                <a:ea typeface="楷体" panose="02010609060101010101" charset="-122"/>
+                <a:cs typeface="Times New Roman" panose="02020603050405020304" charset="0"/>
+              </a:rPr>
+              <a:t>Kubernetes Workloads -- Deployment</a:t>
+            </a:r>
+            <a:endParaRPr lang="en-US" altLang="zh-CN" b="1">
+              <a:latin typeface="Times New Roman" panose="02020603050405020304" charset="0"/>
+              <a:ea typeface="楷体" panose="02010609060101010101" charset="-122"/>
+              <a:cs typeface="Times New Roman" panose="02020603050405020304" charset="0"/>
+            </a:endParaRPr>
+          </a:p>
+        </p:txBody>
+      </p:sp>
+      <p:grpSp>
+        <p:nvGrpSpPr>
+          <p:cNvPr id="10" name="组合 9"/>
+          <p:cNvGrpSpPr/>
+          <p:nvPr/>
+        </p:nvGrpSpPr>
+        <p:grpSpPr>
+          <a:xfrm>
+            <a:off x="833120" y="650875"/>
+            <a:ext cx="7120890" cy="5725795"/>
+            <a:chOff x="1312" y="1025"/>
+            <a:chExt cx="11214" cy="9017"/>
+          </a:xfrm>
+        </p:grpSpPr>
+        <p:sp>
+          <p:nvSpPr>
+            <p:cNvPr id="4" name="文本框 3"/>
+            <p:cNvSpPr txBox="1"/>
+            <p:nvPr/>
+          </p:nvSpPr>
+          <p:spPr>
+            <a:xfrm>
+              <a:off x="1312" y="1756"/>
+              <a:ext cx="5302" cy="8287"/>
+            </a:xfrm>
+            <a:prstGeom prst="rect">
+              <a:avLst/>
+            </a:prstGeom>
+            <a:noFill/>
+          </p:spPr>
+          <p:txBody>
+            <a:bodyPr wrap="square" rtlCol="0" anchor="t">
+              <a:spAutoFit/>
+            </a:bodyPr>
+            <a:p>
+              <a:r>
+                <a:rPr lang="zh-CN" altLang="en-US" sz="1600"/>
+                <a:t>apiVersion: apps/v1</a:t>
+              </a:r>
+              <a:endParaRPr lang="zh-CN" altLang="en-US" sz="1600"/>
+            </a:p>
+            <a:p>
+              <a:r>
+                <a:rPr lang="zh-CN" altLang="en-US" sz="1600"/>
+                <a:t>kind: Deployment</a:t>
+              </a:r>
+              <a:endParaRPr lang="zh-CN" altLang="en-US" sz="1600"/>
+            </a:p>
+            <a:p>
+              <a:r>
+                <a:rPr lang="zh-CN" altLang="en-US" sz="1600"/>
+                <a:t>metadata:</a:t>
+              </a:r>
+              <a:endParaRPr lang="zh-CN" altLang="en-US" sz="1600"/>
+            </a:p>
+            <a:p>
+              <a:r>
+                <a:rPr lang="zh-CN" altLang="en-US" sz="1600"/>
+                <a:t>  name: nginx-deployment</a:t>
+              </a:r>
+              <a:endParaRPr lang="zh-CN" altLang="en-US" sz="1600"/>
+            </a:p>
+            <a:p>
+              <a:r>
+                <a:rPr lang="zh-CN" altLang="en-US" sz="1600"/>
+                <a:t>  labels:</a:t>
+              </a:r>
+              <a:endParaRPr lang="zh-CN" altLang="en-US" sz="1600"/>
+            </a:p>
+            <a:p>
+              <a:r>
+                <a:rPr lang="zh-CN" altLang="en-US" sz="1600"/>
+                <a:t>    app: nginx</a:t>
+              </a:r>
+              <a:endParaRPr lang="zh-CN" altLang="en-US" sz="1600"/>
+            </a:p>
+            <a:p>
+              <a:r>
+                <a:rPr lang="zh-CN" altLang="en-US" sz="1600"/>
+                <a:t>spec:</a:t>
+              </a:r>
+              <a:endParaRPr lang="zh-CN" altLang="en-US" sz="1600"/>
+            </a:p>
+            <a:p>
+              <a:r>
+                <a:rPr lang="zh-CN" altLang="en-US" sz="1600"/>
+                <a:t>  replicas: 3</a:t>
+              </a:r>
+              <a:endParaRPr lang="zh-CN" altLang="en-US" sz="1600"/>
+            </a:p>
+            <a:p>
+              <a:r>
+                <a:rPr lang="zh-CN" altLang="en-US" sz="1600"/>
+                <a:t>  selector:</a:t>
+              </a:r>
+              <a:endParaRPr lang="zh-CN" altLang="en-US" sz="1600"/>
+            </a:p>
+            <a:p>
+              <a:r>
+                <a:rPr lang="zh-CN" altLang="en-US" sz="1600"/>
+                <a:t>    matchLabels:</a:t>
+              </a:r>
+              <a:endParaRPr lang="zh-CN" altLang="en-US" sz="1600"/>
+            </a:p>
+            <a:p>
+              <a:r>
+                <a:rPr lang="zh-CN" altLang="en-US" sz="1600"/>
+                <a:t>      app: nginx</a:t>
+              </a:r>
+              <a:endParaRPr lang="zh-CN" altLang="en-US" sz="1600"/>
+            </a:p>
+            <a:p>
+              <a:r>
+                <a:rPr lang="zh-CN" altLang="en-US" sz="1600"/>
+                <a:t>  template:</a:t>
+              </a:r>
+              <a:endParaRPr lang="zh-CN" altLang="en-US" sz="1600"/>
+            </a:p>
+            <a:p>
+              <a:r>
+                <a:rPr lang="zh-CN" altLang="en-US" sz="1600"/>
+                <a:t>    metadata:</a:t>
+              </a:r>
+              <a:endParaRPr lang="zh-CN" altLang="en-US" sz="1600"/>
+            </a:p>
+            <a:p>
+              <a:r>
+                <a:rPr lang="zh-CN" altLang="en-US" sz="1600"/>
+                <a:t>      labels:</a:t>
+              </a:r>
+              <a:endParaRPr lang="zh-CN" altLang="en-US" sz="1600"/>
+            </a:p>
+            <a:p>
+              <a:r>
+                <a:rPr lang="zh-CN" altLang="en-US" sz="1600"/>
+                <a:t>        app: nginx</a:t>
+              </a:r>
+              <a:endParaRPr lang="zh-CN" altLang="en-US" sz="1600"/>
+            </a:p>
+            <a:p>
+              <a:r>
+                <a:rPr lang="zh-CN" altLang="en-US" sz="1600"/>
+                <a:t>    spec:</a:t>
+              </a:r>
+              <a:endParaRPr lang="zh-CN" altLang="en-US" sz="1600"/>
+            </a:p>
+            <a:p>
+              <a:r>
+                <a:rPr lang="zh-CN" altLang="en-US" sz="1600"/>
+                <a:t>      containers:</a:t>
+              </a:r>
+              <a:endParaRPr lang="zh-CN" altLang="en-US" sz="1600"/>
+            </a:p>
+            <a:p>
+              <a:r>
+                <a:rPr lang="zh-CN" altLang="en-US" sz="1600"/>
+                <a:t>      - name: nginx</a:t>
+              </a:r>
+              <a:endParaRPr lang="zh-CN" altLang="en-US" sz="1600"/>
+            </a:p>
+            <a:p>
+              <a:r>
+                <a:rPr lang="zh-CN" altLang="en-US" sz="1600"/>
+                <a:t>        image: nginx:1.14.2</a:t>
+              </a:r>
+              <a:endParaRPr lang="zh-CN" altLang="en-US" sz="1600"/>
+            </a:p>
+            <a:p>
+              <a:r>
+                <a:rPr lang="zh-CN" altLang="en-US" sz="1600"/>
+                <a:t>        ports:</a:t>
+              </a:r>
+              <a:endParaRPr lang="zh-CN" altLang="en-US" sz="1600"/>
+            </a:p>
+            <a:p>
+              <a:r>
+                <a:rPr lang="zh-CN" altLang="en-US" sz="1600"/>
+                <a:t>        - containerPort: 80</a:t>
+              </a:r>
+              <a:endParaRPr lang="zh-CN" altLang="en-US" sz="1600"/>
+            </a:p>
+          </p:txBody>
+        </p:sp>
+        <p:sp>
+          <p:nvSpPr>
+            <p:cNvPr id="5" name="圆角矩形标注 4"/>
+            <p:cNvSpPr/>
+            <p:nvPr/>
+          </p:nvSpPr>
+          <p:spPr>
+            <a:xfrm>
+              <a:off x="8498" y="1025"/>
+              <a:ext cx="4028" cy="1183"/>
+            </a:xfrm>
+            <a:prstGeom prst="wedgeRoundRectCallout">
+              <a:avLst>
+                <a:gd name="adj1" fmla="val -179568"/>
+                <a:gd name="adj2" fmla="val 95393"/>
+                <a:gd name="adj3" fmla="val 16667"/>
+              </a:avLst>
+            </a:prstGeom>
+          </p:spPr>
+          <p:style>
+            <a:lnRef idx="2">
+              <a:schemeClr val="accent1"/>
+            </a:lnRef>
+            <a:fillRef idx="1">
+              <a:schemeClr val="lt1"/>
+            </a:fillRef>
+            <a:effectRef idx="0">
+              <a:schemeClr val="accent1"/>
+            </a:effectRef>
+            <a:fontRef idx="minor">
+              <a:schemeClr val="dk1"/>
+            </a:fontRef>
+          </p:style>
+          <p:txBody>
+            <a:bodyPr rtlCol="0" anchor="ctr"/>
+            <a:p>
+              <a:pPr algn="ctr"/>
+              <a:r>
+                <a:rPr lang="zh-CN" altLang="en-US" sz="1200"/>
+                <a:t>关键属性：</a:t>
+              </a:r>
+              <a:r>
+                <a:rPr lang="en-US" altLang="zh-CN" sz="1200"/>
+                <a:t>name,namespace</a:t>
+              </a:r>
+              <a:endParaRPr lang="en-US" altLang="zh-CN" sz="1200"/>
+            </a:p>
+          </p:txBody>
+        </p:sp>
+        <p:sp>
+          <p:nvSpPr>
+            <p:cNvPr id="6" name="圆角矩形标注 5"/>
+            <p:cNvSpPr/>
+            <p:nvPr/>
+          </p:nvSpPr>
+          <p:spPr>
+            <a:xfrm>
+              <a:off x="7650" y="2633"/>
+              <a:ext cx="4028" cy="1183"/>
+            </a:xfrm>
+            <a:prstGeom prst="wedgeRoundRectCallout">
+              <a:avLst>
+                <a:gd name="adj1" fmla="val -179568"/>
+                <a:gd name="adj2" fmla="val 95393"/>
+                <a:gd name="adj3" fmla="val 16667"/>
+              </a:avLst>
+            </a:prstGeom>
+          </p:spPr>
+          <p:style>
+            <a:lnRef idx="2">
+              <a:schemeClr val="accent1"/>
+            </a:lnRef>
+            <a:fillRef idx="1">
+              <a:schemeClr val="lt1"/>
+            </a:fillRef>
+            <a:effectRef idx="0">
+              <a:schemeClr val="accent1"/>
+            </a:effectRef>
+            <a:fontRef idx="minor">
+              <a:schemeClr val="dk1"/>
+            </a:fontRef>
+          </p:style>
+          <p:txBody>
+            <a:bodyPr rtlCol="0" anchor="ctr"/>
+            <a:p>
+              <a:pPr algn="ctr"/>
+              <a:r>
+                <a:rPr lang="en-US" altLang="zh-CN" sz="1200"/>
+                <a:t>deployment</a:t>
+              </a:r>
+              <a:r>
+                <a:rPr lang="zh-CN" altLang="en-US" sz="1200"/>
+                <a:t>期望状态</a:t>
+              </a:r>
+              <a:endParaRPr lang="en-US" altLang="zh-CN" sz="1200"/>
+            </a:p>
+          </p:txBody>
+        </p:sp>
+        <p:sp>
+          <p:nvSpPr>
+            <p:cNvPr id="7" name="圆角矩形标注 6"/>
+            <p:cNvSpPr/>
+            <p:nvPr/>
+          </p:nvSpPr>
+          <p:spPr>
+            <a:xfrm>
+              <a:off x="5903" y="4316"/>
+              <a:ext cx="4028" cy="1183"/>
+            </a:xfrm>
+            <a:prstGeom prst="wedgeRoundRectCallout">
+              <a:avLst>
+                <a:gd name="adj1" fmla="val -122293"/>
+                <a:gd name="adj2" fmla="val -21090"/>
+                <a:gd name="adj3" fmla="val 16667"/>
+              </a:avLst>
+            </a:prstGeom>
+          </p:spPr>
+          <p:style>
+            <a:lnRef idx="2">
+              <a:schemeClr val="accent1"/>
+            </a:lnRef>
+            <a:fillRef idx="1">
+              <a:schemeClr val="lt1"/>
+            </a:fillRef>
+            <a:effectRef idx="0">
+              <a:schemeClr val="accent1"/>
+            </a:effectRef>
+            <a:fontRef idx="minor">
+              <a:schemeClr val="dk1"/>
+            </a:fontRef>
+          </p:style>
+          <p:txBody>
+            <a:bodyPr rtlCol="0" anchor="ctr"/>
+            <a:p>
+              <a:pPr algn="ctr"/>
+              <a:r>
+                <a:rPr lang="zh-CN" altLang="en-US" sz="1200"/>
+                <a:t>副本数</a:t>
+              </a:r>
+              <a:endParaRPr lang="zh-CN" altLang="en-US" sz="1200"/>
+            </a:p>
+          </p:txBody>
+        </p:sp>
+        <p:sp>
+          <p:nvSpPr>
+            <p:cNvPr id="8" name="圆角矩形标注 7"/>
+            <p:cNvSpPr/>
+            <p:nvPr/>
+          </p:nvSpPr>
+          <p:spPr>
+            <a:xfrm>
+              <a:off x="6403" y="5863"/>
+              <a:ext cx="4028" cy="1183"/>
+            </a:xfrm>
+            <a:prstGeom prst="wedgeRoundRectCallout">
+              <a:avLst>
+                <a:gd name="adj1" fmla="val -137909"/>
+                <a:gd name="adj2" fmla="val -105874"/>
+                <a:gd name="adj3" fmla="val 16667"/>
+              </a:avLst>
+            </a:prstGeom>
+          </p:spPr>
+          <p:style>
+            <a:lnRef idx="2">
+              <a:schemeClr val="accent1"/>
+            </a:lnRef>
+            <a:fillRef idx="1">
+              <a:schemeClr val="lt1"/>
+            </a:fillRef>
+            <a:effectRef idx="0">
+              <a:schemeClr val="accent1"/>
+            </a:effectRef>
+            <a:fontRef idx="minor">
+              <a:schemeClr val="dk1"/>
+            </a:fontRef>
+          </p:style>
+          <p:txBody>
+            <a:bodyPr rtlCol="0" anchor="ctr"/>
+            <a:p>
+              <a:pPr algn="ctr"/>
+              <a:r>
+                <a:rPr lang="en-US" altLang="zh-CN" sz="1200"/>
+                <a:t>Deployment</a:t>
+              </a:r>
+              <a:r>
+                <a:rPr lang="zh-CN" altLang="en-US" sz="1200"/>
+                <a:t>如何找到对应的</a:t>
+              </a:r>
+              <a:r>
+                <a:rPr lang="en-US" altLang="zh-CN" sz="1200"/>
+                <a:t>pod</a:t>
+              </a:r>
+              <a:endParaRPr lang="en-US" altLang="zh-CN" sz="1200"/>
+            </a:p>
+          </p:txBody>
+        </p:sp>
+        <p:sp>
+          <p:nvSpPr>
+            <p:cNvPr id="9" name="圆角矩形标注 8"/>
+            <p:cNvSpPr/>
+            <p:nvPr/>
+          </p:nvSpPr>
+          <p:spPr>
+            <a:xfrm>
+              <a:off x="6614" y="7695"/>
+              <a:ext cx="3520" cy="1183"/>
+            </a:xfrm>
+            <a:prstGeom prst="wedgeRoundRectCallout">
+              <a:avLst>
+                <a:gd name="adj1" fmla="val -154375"/>
+                <a:gd name="adj2" fmla="val -160312"/>
+                <a:gd name="adj3" fmla="val 16667"/>
+              </a:avLst>
+            </a:prstGeom>
+          </p:spPr>
+          <p:style>
+            <a:lnRef idx="2">
+              <a:schemeClr val="accent1"/>
+            </a:lnRef>
+            <a:fillRef idx="1">
+              <a:schemeClr val="lt1"/>
+            </a:fillRef>
+            <a:effectRef idx="0">
+              <a:schemeClr val="accent1"/>
+            </a:effectRef>
+            <a:fontRef idx="minor">
+              <a:schemeClr val="dk1"/>
+            </a:fontRef>
+          </p:style>
+          <p:txBody>
+            <a:bodyPr rtlCol="0" anchor="ctr"/>
+            <a:p>
+              <a:pPr algn="ctr"/>
+              <a:r>
+                <a:rPr lang="en-US" altLang="zh-CN" sz="1200"/>
+                <a:t>pod</a:t>
+              </a:r>
+              <a:r>
+                <a:rPr lang="zh-CN" altLang="en-US" sz="1200"/>
+                <a:t>模板，如何运行</a:t>
+              </a:r>
+              <a:endParaRPr lang="zh-CN" altLang="en-US" sz="1200"/>
+            </a:p>
+          </p:txBody>
+        </p:sp>
+      </p:grpSp>
+      <p:sp>
+        <p:nvSpPr>
+          <p:cNvPr id="11" name="文本框 10"/>
+          <p:cNvSpPr txBox="1"/>
+          <p:nvPr/>
+        </p:nvSpPr>
+        <p:spPr>
+          <a:xfrm>
+            <a:off x="7954010" y="2898775"/>
+            <a:ext cx="3624580" cy="1383665"/>
+          </a:xfrm>
+          <a:prstGeom prst="rect">
+            <a:avLst/>
+          </a:prstGeom>
+          <a:noFill/>
+        </p:spPr>
+        <p:txBody>
+          <a:bodyPr wrap="square" rtlCol="0">
+            <a:spAutoFit/>
+          </a:bodyPr>
+          <a:p>
+            <a:pPr algn="l">
+              <a:lnSpc>
+                <a:spcPct val="150000"/>
+              </a:lnSpc>
+            </a:pPr>
+            <a:r>
+              <a:rPr lang="en-US" altLang="zh-CN" sz="1400">
+                <a:latin typeface="等线" panose="02010600030101010101" charset="-122"/>
+                <a:ea typeface="等线" panose="02010600030101010101" charset="-122"/>
+                <a:cs typeface="Times New Roman" panose="02020603050405020304" charset="0"/>
+              </a:rPr>
+              <a:t>kubectl apply -f FILENAME.yaml</a:t>
+            </a:r>
+            <a:endParaRPr lang="en-US" altLang="zh-CN" sz="1400">
+              <a:latin typeface="等线" panose="02010600030101010101" charset="-122"/>
+              <a:ea typeface="等线" panose="02010600030101010101" charset="-122"/>
+              <a:cs typeface="Times New Roman" panose="02020603050405020304" charset="0"/>
+            </a:endParaRPr>
+          </a:p>
+          <a:p>
+            <a:pPr algn="l">
+              <a:lnSpc>
+                <a:spcPct val="150000"/>
+              </a:lnSpc>
+            </a:pPr>
+            <a:r>
+              <a:rPr lang="en-US" altLang="zh-CN" sz="1400">
+                <a:latin typeface="等线" panose="02010600030101010101" charset="-122"/>
+                <a:ea typeface="等线" panose="02010600030101010101" charset="-122"/>
+                <a:cs typeface="Times New Roman" panose="02020603050405020304" charset="0"/>
+              </a:rPr>
+              <a:t>kubectl get deployment nginx-deployment</a:t>
+            </a:r>
+            <a:endParaRPr lang="en-US" altLang="zh-CN" sz="1400">
+              <a:latin typeface="等线" panose="02010600030101010101" charset="-122"/>
+              <a:ea typeface="等线" panose="02010600030101010101" charset="-122"/>
+              <a:cs typeface="Times New Roman" panose="02020603050405020304" charset="0"/>
+            </a:endParaRPr>
+          </a:p>
+          <a:p>
+            <a:pPr algn="l">
+              <a:lnSpc>
+                <a:spcPct val="150000"/>
+              </a:lnSpc>
+            </a:pPr>
+            <a:r>
+              <a:rPr lang="en-US" altLang="zh-CN" sz="1400">
+                <a:latin typeface="等线" panose="02010600030101010101" charset="-122"/>
+                <a:ea typeface="等线" panose="02010600030101010101" charset="-122"/>
+                <a:cs typeface="Times New Roman" panose="02020603050405020304" charset="0"/>
+              </a:rPr>
+              <a:t>kubectl get pods --show-labels</a:t>
+            </a:r>
+            <a:endParaRPr lang="en-US" altLang="zh-CN" sz="1400">
+              <a:latin typeface="等线" panose="02010600030101010101" charset="-122"/>
+              <a:ea typeface="等线" panose="02010600030101010101" charset="-122"/>
+              <a:cs typeface="Times New Roman" panose="02020603050405020304" charset="0"/>
+            </a:endParaRPr>
+          </a:p>
+          <a:p>
+            <a:pPr algn="l">
+              <a:lnSpc>
+                <a:spcPct val="150000"/>
+              </a:lnSpc>
+            </a:pPr>
+            <a:r>
+              <a:rPr lang="en-US" altLang="zh-CN" sz="1400">
+                <a:latin typeface="等线" panose="02010600030101010101" charset="-122"/>
+                <a:ea typeface="等线" panose="02010600030101010101" charset="-122"/>
+                <a:cs typeface="Times New Roman" panose="02020603050405020304" charset="0"/>
+              </a:rPr>
+              <a:t>kubectl describe deployments</a:t>
+            </a:r>
+            <a:endParaRPr lang="en-US" altLang="zh-CN" sz="1400">
+              <a:latin typeface="等线" panose="02010600030101010101" charset="-122"/>
+              <a:ea typeface="等线" panose="02010600030101010101" charset="-122"/>
+              <a:cs typeface="Times New Roman" panose="02020603050405020304" charset="0"/>
+            </a:endParaRPr>
+          </a:p>
+        </p:txBody>
+      </p:sp>
+    </p:spTree>
+    <p:custDataLst>
+      <p:tags r:id="rId1"/>
+    </p:custDataLst>
+  </p:cSld>
+  <p:clrMapOvr>
+    <a:masterClrMapping/>
+  </p:clrMapOvr>
+</p:sld>
+</file>
+
+<file path=ppt/slides/slide4.xml><?xml version="1.0" encoding="utf-8"?>
+<p:sld xmlns:a="http://schemas.openxmlformats.org/drawingml/2006/main" xmlns:r="http://schemas.openxmlformats.org/officeDocument/2006/relationships" xmlns:p="http://schemas.openxmlformats.org/presentationml/2006/main">
+  <p:cSld>
+    <p:spTree>
+      <p:nvGrpSpPr>
+        <p:cNvPr id="1" name=""/>
+        <p:cNvGrpSpPr/>
+        <p:nvPr/>
+      </p:nvGrpSpPr>
+      <p:grpSpPr/>
+      <p:sp>
+        <p:nvSpPr>
+          <p:cNvPr id="3" name="文本框 2"/>
+          <p:cNvSpPr txBox="1"/>
+          <p:nvPr/>
+        </p:nvSpPr>
+        <p:spPr>
+          <a:xfrm>
+            <a:off x="0" y="0"/>
+            <a:ext cx="4366895" cy="506730"/>
+          </a:xfrm>
+          <a:prstGeom prst="rect">
+            <a:avLst/>
+          </a:prstGeom>
+          <a:noFill/>
+        </p:spPr>
+        <p:txBody>
+          <a:bodyPr wrap="square" rtlCol="0">
+            <a:spAutoFit/>
+          </a:bodyPr>
+          <a:p>
+            <a:pPr algn="ctr">
+              <a:lnSpc>
+                <a:spcPct val="150000"/>
+              </a:lnSpc>
+            </a:pPr>
+            <a:r>
+              <a:rPr lang="en-US" altLang="zh-CN" b="1">
+                <a:latin typeface="Times New Roman" panose="02020603050405020304" charset="0"/>
+                <a:ea typeface="楷体" panose="02010609060101010101" charset="-122"/>
+                <a:cs typeface="Times New Roman" panose="02020603050405020304" charset="0"/>
+              </a:rPr>
+              <a:t>Kubernetes Workloads -- </a:t>
+            </a:r>
+            <a:r>
+              <a:rPr lang="en-US" altLang="zh-CN" b="1">
+                <a:latin typeface="Times New Roman" panose="02020603050405020304" charset="0"/>
+                <a:ea typeface="楷体" panose="02010609060101010101" charset="-122"/>
+                <a:cs typeface="Times New Roman" panose="02020603050405020304" charset="0"/>
+                <a:hlinkClick r:id="rId1" tooltip="" action="ppaction://hlinkfile"/>
+              </a:rPr>
+              <a:t>Deployment</a:t>
+            </a:r>
+            <a:endParaRPr lang="en-US" altLang="zh-CN" b="1">
+              <a:latin typeface="Times New Roman" panose="02020603050405020304" charset="0"/>
+              <a:ea typeface="楷体" panose="02010609060101010101" charset="-122"/>
+              <a:cs typeface="Times New Roman" panose="02020603050405020304" charset="0"/>
+            </a:endParaRPr>
+          </a:p>
+        </p:txBody>
+      </p:sp>
+      <p:sp>
+        <p:nvSpPr>
+          <p:cNvPr id="2" name="文本框 1"/>
+          <p:cNvSpPr txBox="1"/>
+          <p:nvPr/>
+        </p:nvSpPr>
+        <p:spPr>
+          <a:xfrm>
+            <a:off x="370840" y="892175"/>
+            <a:ext cx="5934710" cy="1060450"/>
+          </a:xfrm>
+          <a:prstGeom prst="rect">
+            <a:avLst/>
+          </a:prstGeom>
+          <a:noFill/>
+        </p:spPr>
+        <p:txBody>
+          <a:bodyPr wrap="square" rtlCol="0">
+            <a:spAutoFit/>
+          </a:bodyPr>
+          <a:p>
+            <a:pPr algn="l">
+              <a:lnSpc>
+                <a:spcPct val="150000"/>
+              </a:lnSpc>
+            </a:pPr>
+            <a:r>
+              <a:rPr lang="en-US" altLang="zh-CN" sz="1400">
+                <a:latin typeface="等线" panose="02010600030101010101" charset="-122"/>
+                <a:ea typeface="等线" panose="02010600030101010101" charset="-122"/>
+                <a:cs typeface="Times New Roman" panose="02020603050405020304" charset="0"/>
+              </a:rPr>
+              <a:t>kubectl rollout history nginx-deployment	#</a:t>
+            </a:r>
+            <a:r>
+              <a:rPr lang="zh-CN" altLang="en-US" sz="1400">
+                <a:latin typeface="等线" panose="02010600030101010101" charset="-122"/>
+                <a:ea typeface="等线" panose="02010600030101010101" charset="-122"/>
+                <a:cs typeface="Times New Roman" panose="02020603050405020304" charset="0"/>
+              </a:rPr>
+              <a:t>查看历史版本</a:t>
+            </a:r>
+            <a:endParaRPr lang="en-US" altLang="zh-CN" sz="1400">
+              <a:latin typeface="等线" panose="02010600030101010101" charset="-122"/>
+              <a:ea typeface="等线" panose="02010600030101010101" charset="-122"/>
+              <a:cs typeface="Times New Roman" panose="02020603050405020304" charset="0"/>
+            </a:endParaRPr>
+          </a:p>
+          <a:p>
+            <a:pPr algn="l">
+              <a:lnSpc>
+                <a:spcPct val="150000"/>
+              </a:lnSpc>
+            </a:pPr>
+            <a:r>
+              <a:rPr lang="en-US" altLang="zh-CN" sz="1400">
+                <a:latin typeface="等线" panose="02010600030101010101" charset="-122"/>
+                <a:ea typeface="等线" panose="02010600030101010101" charset="-122"/>
+                <a:cs typeface="Times New Roman" panose="02020603050405020304" charset="0"/>
+              </a:rPr>
+              <a:t>kubectl rollout undo nginx-deployment	#</a:t>
+            </a:r>
+            <a:r>
+              <a:rPr lang="zh-CN" altLang="en-US" sz="1400">
+                <a:latin typeface="等线" panose="02010600030101010101" charset="-122"/>
+                <a:ea typeface="等线" panose="02010600030101010101" charset="-122"/>
+                <a:cs typeface="Times New Roman" panose="02020603050405020304" charset="0"/>
+              </a:rPr>
+              <a:t>回滚上一版本</a:t>
+            </a:r>
+            <a:endParaRPr lang="zh-CN" altLang="en-US" sz="1400">
+              <a:latin typeface="等线" panose="02010600030101010101" charset="-122"/>
+              <a:ea typeface="等线" panose="02010600030101010101" charset="-122"/>
+              <a:cs typeface="Times New Roman" panose="02020603050405020304" charset="0"/>
+            </a:endParaRPr>
+          </a:p>
+          <a:p>
+            <a:pPr algn="l">
+              <a:lnSpc>
+                <a:spcPct val="150000"/>
+              </a:lnSpc>
+            </a:pPr>
+            <a:r>
+              <a:rPr lang="zh-CN" altLang="en-US" sz="1400">
+                <a:latin typeface="等线" panose="02010600030101010101" charset="-122"/>
+                <a:ea typeface="等线" panose="02010600030101010101" charset="-122"/>
+                <a:cs typeface="Times New Roman" panose="02020603050405020304" charset="0"/>
+              </a:rPr>
+              <a:t>kubectl rollout undo nginx-deployment --to-revision=2</a:t>
+            </a:r>
+            <a:r>
+              <a:rPr lang="en-US" altLang="zh-CN" sz="1400">
+                <a:latin typeface="等线" panose="02010600030101010101" charset="-122"/>
+                <a:ea typeface="等线" panose="02010600030101010101" charset="-122"/>
+                <a:cs typeface="Times New Roman" panose="02020603050405020304" charset="0"/>
+              </a:rPr>
+              <a:t>	#</a:t>
+            </a:r>
+            <a:r>
+              <a:rPr lang="zh-CN" altLang="en-US" sz="1400">
+                <a:latin typeface="等线" panose="02010600030101010101" charset="-122"/>
+                <a:ea typeface="等线" panose="02010600030101010101" charset="-122"/>
+                <a:cs typeface="Times New Roman" panose="02020603050405020304" charset="0"/>
+              </a:rPr>
+              <a:t>回滚指定版本</a:t>
+            </a:r>
+            <a:endParaRPr lang="zh-CN" altLang="en-US" sz="1400">
+              <a:latin typeface="等线" panose="02010600030101010101" charset="-122"/>
+              <a:ea typeface="等线" panose="02010600030101010101" charset="-122"/>
+              <a:cs typeface="Times New Roman" panose="02020603050405020304" charset="0"/>
+            </a:endParaRPr>
+          </a:p>
+        </p:txBody>
+      </p:sp>
+      <p:sp>
+        <p:nvSpPr>
+          <p:cNvPr id="12" name="圆角矩形 11"/>
+          <p:cNvSpPr/>
+          <p:nvPr/>
+        </p:nvSpPr>
+        <p:spPr>
+          <a:xfrm>
+            <a:off x="251460" y="3086100"/>
+            <a:ext cx="1758950" cy="685165"/>
+          </a:xfrm>
+          <a:prstGeom prst="roundRect">
+            <a:avLst/>
+          </a:prstGeom>
+        </p:spPr>
+        <p:style>
+          <a:lnRef idx="2">
+            <a:schemeClr val="accent1">
+              <a:shade val="50000"/>
+            </a:schemeClr>
+          </a:lnRef>
+          <a:fillRef idx="1">
+            <a:schemeClr val="accent1"/>
+          </a:fillRef>
+          <a:effectRef idx="0">
+            <a:schemeClr val="accent1"/>
+          </a:effectRef>
+          <a:fontRef idx="minor">
+            <a:schemeClr val="lt1"/>
+          </a:fontRef>
+        </p:style>
+        <p:txBody>
+          <a:bodyPr rtlCol="0" anchor="ctr"/>
+          <a:p>
+            <a:pPr algn="ctr"/>
+            <a:r>
+              <a:rPr lang="en-US" altLang="zh-CN" sz="1200"/>
+              <a:t>deployment</a:t>
+            </a:r>
+            <a:endParaRPr lang="en-US" altLang="zh-CN" sz="1200"/>
+          </a:p>
+          <a:p>
+            <a:pPr algn="ctr"/>
+            <a:r>
+              <a:rPr lang="en-US" altLang="zh-CN" sz="1200"/>
+              <a:t>nginx-deployment</a:t>
+            </a:r>
+            <a:endParaRPr lang="en-US" altLang="zh-CN" sz="1200"/>
+          </a:p>
+          <a:p>
+            <a:pPr algn="ctr"/>
+            <a:r>
+              <a:rPr lang="en-US" altLang="zh-CN" sz="1200"/>
+              <a:t>REVISION    1</a:t>
+            </a:r>
+            <a:endParaRPr lang="en-US" altLang="zh-CN" sz="1200"/>
+          </a:p>
+        </p:txBody>
+      </p:sp>
+      <p:sp>
+        <p:nvSpPr>
+          <p:cNvPr id="13" name="圆角矩形 12"/>
+          <p:cNvSpPr/>
+          <p:nvPr/>
+        </p:nvSpPr>
+        <p:spPr>
+          <a:xfrm>
+            <a:off x="2499360" y="3685540"/>
+            <a:ext cx="1758950" cy="685165"/>
+          </a:xfrm>
+          <a:prstGeom prst="roundRect">
+            <a:avLst/>
+          </a:prstGeom>
+        </p:spPr>
+        <p:style>
+          <a:lnRef idx="2">
+            <a:schemeClr val="accent1">
+              <a:shade val="50000"/>
+            </a:schemeClr>
+          </a:lnRef>
+          <a:fillRef idx="1">
+            <a:schemeClr val="accent1"/>
+          </a:fillRef>
+          <a:effectRef idx="0">
+            <a:schemeClr val="accent1"/>
+          </a:effectRef>
+          <a:fontRef idx="minor">
+            <a:schemeClr val="lt1"/>
+          </a:fontRef>
+        </p:style>
+        <p:txBody>
+          <a:bodyPr rtlCol="0" anchor="ctr"/>
+          <a:p>
+            <a:pPr algn="ctr"/>
+            <a:r>
+              <a:rPr lang="en-US" altLang="zh-CN" sz="1200"/>
+              <a:t>deployment</a:t>
+            </a:r>
+            <a:endParaRPr lang="en-US" altLang="zh-CN" sz="1200"/>
+          </a:p>
+          <a:p>
+            <a:pPr algn="ctr"/>
+            <a:r>
+              <a:rPr lang="en-US" altLang="zh-CN" sz="1200"/>
+              <a:t>nginx-deployment</a:t>
+            </a:r>
+            <a:endParaRPr lang="en-US" altLang="zh-CN" sz="1200"/>
+          </a:p>
+          <a:p>
+            <a:pPr algn="ctr"/>
+            <a:r>
+              <a:rPr lang="en-US" altLang="zh-CN" sz="1200"/>
+              <a:t>REVISION    2</a:t>
+            </a:r>
+            <a:endParaRPr lang="en-US" altLang="zh-CN" sz="1200"/>
+          </a:p>
+        </p:txBody>
+      </p:sp>
+      <p:cxnSp>
+        <p:nvCxnSpPr>
+          <p:cNvPr id="14" name="曲线连接符 13"/>
+          <p:cNvCxnSpPr>
+            <a:stCxn id="12" idx="0"/>
+            <a:endCxn id="13" idx="0"/>
+          </p:cNvCxnSpPr>
+          <p:nvPr/>
+        </p:nvCxnSpPr>
+        <p:spPr>
+          <a:xfrm rot="16200000" flipH="1">
+            <a:off x="1946275" y="2261870"/>
+            <a:ext cx="599440" cy="2247900"/>
+          </a:xfrm>
+          <a:prstGeom prst="curvedConnector3">
+            <a:avLst>
+              <a:gd name="adj1" fmla="val -39725"/>
+            </a:avLst>
+          </a:prstGeom>
+          <a:ln>
+            <a:tailEnd type="arrow" w="med" len="med"/>
+          </a:ln>
+        </p:spPr>
+        <p:style>
+          <a:lnRef idx="1">
+            <a:schemeClr val="dk1"/>
+          </a:lnRef>
+          <a:fillRef idx="0">
+            <a:schemeClr val="dk1"/>
+          </a:fillRef>
+          <a:effectRef idx="0">
+            <a:schemeClr val="dk1"/>
+          </a:effectRef>
+          <a:fontRef idx="minor">
+            <a:schemeClr val="tx1"/>
+          </a:fontRef>
+        </p:style>
+      </p:cxnSp>
+      <p:sp>
+        <p:nvSpPr>
+          <p:cNvPr id="15" name="文本框 14"/>
+          <p:cNvSpPr txBox="1"/>
+          <p:nvPr/>
+        </p:nvSpPr>
+        <p:spPr>
+          <a:xfrm>
+            <a:off x="2178050" y="2405380"/>
+            <a:ext cx="689610" cy="414020"/>
+          </a:xfrm>
+          <a:prstGeom prst="rect">
+            <a:avLst/>
+          </a:prstGeom>
+          <a:noFill/>
+        </p:spPr>
+        <p:txBody>
+          <a:bodyPr wrap="square" rtlCol="0">
+            <a:spAutoFit/>
+          </a:bodyPr>
+          <a:p>
+            <a:pPr algn="ctr">
+              <a:lnSpc>
+                <a:spcPct val="150000"/>
+              </a:lnSpc>
+            </a:pPr>
+            <a:r>
+              <a:rPr lang="en-US" altLang="zh-CN" sz="1400">
+                <a:latin typeface="Times New Roman" panose="02020603050405020304" charset="0"/>
+                <a:ea typeface="楷体" panose="02010609060101010101" charset="-122"/>
+                <a:cs typeface="Times New Roman" panose="02020603050405020304" charset="0"/>
+              </a:rPr>
+              <a:t>rollout</a:t>
+            </a:r>
+            <a:endParaRPr lang="en-US" altLang="zh-CN" sz="1400">
+              <a:latin typeface="Times New Roman" panose="02020603050405020304" charset="0"/>
+              <a:ea typeface="楷体" panose="02010609060101010101" charset="-122"/>
+              <a:cs typeface="Times New Roman" panose="02020603050405020304" charset="0"/>
+            </a:endParaRPr>
+          </a:p>
+        </p:txBody>
+      </p:sp>
+      <p:sp>
+        <p:nvSpPr>
+          <p:cNvPr id="16" name="圆角矩形 15"/>
+          <p:cNvSpPr/>
+          <p:nvPr/>
+        </p:nvSpPr>
+        <p:spPr>
+          <a:xfrm>
+            <a:off x="5060950" y="4782820"/>
+            <a:ext cx="1758950" cy="685165"/>
+          </a:xfrm>
+          <a:prstGeom prst="roundRect">
+            <a:avLst/>
+          </a:prstGeom>
+        </p:spPr>
+        <p:style>
+          <a:lnRef idx="2">
+            <a:schemeClr val="accent1">
+              <a:shade val="50000"/>
+            </a:schemeClr>
+          </a:lnRef>
+          <a:fillRef idx="1">
+            <a:schemeClr val="accent1"/>
+          </a:fillRef>
+          <a:effectRef idx="0">
+            <a:schemeClr val="accent1"/>
+          </a:effectRef>
+          <a:fontRef idx="minor">
+            <a:schemeClr val="lt1"/>
+          </a:fontRef>
+        </p:style>
+        <p:txBody>
+          <a:bodyPr rtlCol="0" anchor="ctr"/>
+          <a:p>
+            <a:pPr algn="ctr"/>
+            <a:r>
+              <a:rPr lang="en-US" altLang="zh-CN" sz="1200"/>
+              <a:t>deployment</a:t>
+            </a:r>
+            <a:endParaRPr lang="en-US" altLang="zh-CN" sz="1200"/>
+          </a:p>
+          <a:p>
+            <a:pPr algn="ctr"/>
+            <a:r>
+              <a:rPr lang="en-US" altLang="zh-CN" sz="1200"/>
+              <a:t>nginx-deployment</a:t>
+            </a:r>
+            <a:endParaRPr lang="en-US" altLang="zh-CN" sz="1200"/>
+          </a:p>
+          <a:p>
+            <a:pPr algn="ctr"/>
+            <a:r>
+              <a:rPr lang="en-US" altLang="zh-CN" sz="1200"/>
+              <a:t>REVISION    3</a:t>
+            </a:r>
+            <a:endParaRPr lang="en-US" altLang="zh-CN" sz="1200"/>
+          </a:p>
+        </p:txBody>
+      </p:sp>
+      <p:cxnSp>
+        <p:nvCxnSpPr>
+          <p:cNvPr id="17" name="曲线连接符 16"/>
+          <p:cNvCxnSpPr>
+            <a:stCxn id="13" idx="3"/>
+            <a:endCxn id="16" idx="1"/>
+          </p:cNvCxnSpPr>
+          <p:nvPr/>
+        </p:nvCxnSpPr>
+        <p:spPr>
+          <a:xfrm>
+            <a:off x="4249420" y="4028440"/>
+            <a:ext cx="802640" cy="1097280"/>
+          </a:xfrm>
+          <a:prstGeom prst="curvedConnector3">
+            <a:avLst>
+              <a:gd name="adj1" fmla="val 50000"/>
+            </a:avLst>
+          </a:prstGeom>
+          <a:ln>
+            <a:tailEnd type="arrow" w="med" len="med"/>
+          </a:ln>
+        </p:spPr>
+        <p:style>
+          <a:lnRef idx="1">
+            <a:schemeClr val="dk1"/>
+          </a:lnRef>
+          <a:fillRef idx="0">
+            <a:schemeClr val="dk1"/>
+          </a:fillRef>
+          <a:effectRef idx="0">
+            <a:schemeClr val="dk1"/>
+          </a:effectRef>
+          <a:fontRef idx="minor">
+            <a:schemeClr val="tx1"/>
+          </a:fontRef>
+        </p:style>
+      </p:cxnSp>
+      <p:sp>
+        <p:nvSpPr>
+          <p:cNvPr id="18" name="文本框 17"/>
+          <p:cNvSpPr txBox="1"/>
+          <p:nvPr/>
+        </p:nvSpPr>
+        <p:spPr>
+          <a:xfrm>
+            <a:off x="4692015" y="4187190"/>
+            <a:ext cx="689610" cy="414020"/>
+          </a:xfrm>
+          <a:prstGeom prst="rect">
+            <a:avLst/>
+          </a:prstGeom>
+          <a:noFill/>
+        </p:spPr>
+        <p:txBody>
+          <a:bodyPr wrap="square" rtlCol="0">
+            <a:spAutoFit/>
+          </a:bodyPr>
+          <a:p>
+            <a:pPr algn="ctr">
+              <a:lnSpc>
+                <a:spcPct val="150000"/>
+              </a:lnSpc>
+            </a:pPr>
+            <a:r>
+              <a:rPr lang="en-US" altLang="zh-CN" sz="1400">
+                <a:latin typeface="Times New Roman" panose="02020603050405020304" charset="0"/>
+                <a:ea typeface="楷体" panose="02010609060101010101" charset="-122"/>
+                <a:cs typeface="Times New Roman" panose="02020603050405020304" charset="0"/>
+              </a:rPr>
+              <a:t>rollout</a:t>
+            </a:r>
+            <a:endParaRPr lang="en-US" altLang="zh-CN" sz="1400">
+              <a:latin typeface="Times New Roman" panose="02020603050405020304" charset="0"/>
+              <a:ea typeface="楷体" panose="02010609060101010101" charset="-122"/>
+              <a:cs typeface="Times New Roman" panose="02020603050405020304" charset="0"/>
+            </a:endParaRPr>
+          </a:p>
+        </p:txBody>
+      </p:sp>
+      <p:cxnSp>
+        <p:nvCxnSpPr>
+          <p:cNvPr id="19" name="曲线连接符 18"/>
+          <p:cNvCxnSpPr>
+            <a:stCxn id="16" idx="2"/>
+            <a:endCxn id="13" idx="2"/>
+          </p:cNvCxnSpPr>
+          <p:nvPr/>
+        </p:nvCxnSpPr>
+        <p:spPr>
+          <a:xfrm rot="5400000" flipH="1">
+            <a:off x="4102100" y="3638550"/>
+            <a:ext cx="1097280" cy="2561590"/>
+          </a:xfrm>
+          <a:prstGeom prst="curvedConnector3">
+            <a:avLst>
+              <a:gd name="adj1" fmla="val -21701"/>
+            </a:avLst>
+          </a:prstGeom>
+          <a:ln>
+            <a:prstDash val="dash"/>
+            <a:tailEnd type="arrow" w="med" len="med"/>
+          </a:ln>
+        </p:spPr>
+        <p:style>
+          <a:lnRef idx="1">
+            <a:schemeClr val="dk1"/>
+          </a:lnRef>
+          <a:fillRef idx="0">
+            <a:schemeClr val="dk1"/>
+          </a:fillRef>
+          <a:effectRef idx="0">
+            <a:schemeClr val="dk1"/>
+          </a:effectRef>
+          <a:fontRef idx="minor">
+            <a:schemeClr val="tx1"/>
+          </a:fontRef>
+        </p:style>
+      </p:cxnSp>
+      <p:cxnSp>
+        <p:nvCxnSpPr>
+          <p:cNvPr id="20" name="曲线连接符 19"/>
+          <p:cNvCxnSpPr>
+            <a:stCxn id="16" idx="2"/>
+          </p:cNvCxnSpPr>
+          <p:nvPr/>
+        </p:nvCxnSpPr>
+        <p:spPr>
+          <a:xfrm rot="5400000" flipH="1">
+            <a:off x="2678430" y="2214880"/>
+            <a:ext cx="1696720" cy="4808855"/>
+          </a:xfrm>
+          <a:prstGeom prst="curvedConnector4">
+            <a:avLst>
+              <a:gd name="adj1" fmla="val -24681"/>
+              <a:gd name="adj2" fmla="val 99861"/>
+            </a:avLst>
+          </a:prstGeom>
+          <a:ln>
+            <a:prstDash val="dash"/>
+            <a:tailEnd type="arrow" w="med" len="med"/>
+          </a:ln>
+        </p:spPr>
+        <p:style>
+          <a:lnRef idx="1">
+            <a:schemeClr val="dk1"/>
+          </a:lnRef>
+          <a:fillRef idx="0">
+            <a:schemeClr val="dk1"/>
+          </a:fillRef>
+          <a:effectRef idx="0">
+            <a:schemeClr val="dk1"/>
+          </a:effectRef>
+          <a:fontRef idx="minor">
+            <a:schemeClr val="tx1"/>
+          </a:fontRef>
+        </p:style>
+      </p:cxnSp>
+      <p:sp>
+        <p:nvSpPr>
+          <p:cNvPr id="21" name="文本框 20"/>
+          <p:cNvSpPr txBox="1"/>
+          <p:nvPr/>
+        </p:nvSpPr>
+        <p:spPr>
+          <a:xfrm>
+            <a:off x="7069455" y="892175"/>
+            <a:ext cx="4755515" cy="414020"/>
+          </a:xfrm>
+          <a:prstGeom prst="rect">
+            <a:avLst/>
+          </a:prstGeom>
+          <a:noFill/>
+        </p:spPr>
+        <p:txBody>
+          <a:bodyPr wrap="square" rtlCol="0">
+            <a:spAutoFit/>
+          </a:bodyPr>
+          <a:p>
+            <a:pPr algn="l">
+              <a:lnSpc>
+                <a:spcPct val="150000"/>
+              </a:lnSpc>
+            </a:pPr>
+            <a:r>
+              <a:rPr lang="en-US" altLang="zh-CN" sz="1400">
+                <a:latin typeface="等线" panose="02010600030101010101" charset="-122"/>
+                <a:ea typeface="等线" panose="02010600030101010101" charset="-122"/>
+                <a:cs typeface="Times New Roman" panose="02020603050405020304" charset="0"/>
+              </a:rPr>
+              <a:t>kubectl scale deployment nginx-deployment --replicas=N</a:t>
+            </a:r>
+            <a:endParaRPr lang="zh-CN" altLang="en-US" sz="1400">
+              <a:latin typeface="等线" panose="02010600030101010101" charset="-122"/>
+              <a:ea typeface="等线" panose="02010600030101010101" charset="-122"/>
+              <a:cs typeface="Times New Roman" panose="02020603050405020304" charset="0"/>
+            </a:endParaRPr>
+          </a:p>
+        </p:txBody>
+      </p:sp>
+      <p:grpSp>
+        <p:nvGrpSpPr>
+          <p:cNvPr id="29" name="组合 28"/>
+          <p:cNvGrpSpPr/>
+          <p:nvPr/>
+        </p:nvGrpSpPr>
+        <p:grpSpPr>
+          <a:xfrm>
+            <a:off x="7392670" y="3275330"/>
+            <a:ext cx="4278630" cy="2235200"/>
+            <a:chOff x="11133" y="3075"/>
+            <a:chExt cx="6738" cy="3520"/>
+          </a:xfrm>
+        </p:grpSpPr>
+        <p:grpSp>
+          <p:nvGrpSpPr>
+            <p:cNvPr id="24" name="组合 23"/>
+            <p:cNvGrpSpPr/>
+            <p:nvPr/>
+          </p:nvGrpSpPr>
+          <p:grpSpPr>
+            <a:xfrm>
+              <a:off x="11133" y="3075"/>
+              <a:ext cx="6738" cy="3520"/>
+              <a:chOff x="11133" y="3075"/>
+              <a:chExt cx="7337" cy="3520"/>
+            </a:xfrm>
+          </p:grpSpPr>
+          <p:sp>
+            <p:nvSpPr>
+              <p:cNvPr id="22" name="圆角矩形 21"/>
+              <p:cNvSpPr/>
+              <p:nvPr/>
+            </p:nvSpPr>
+            <p:spPr>
+              <a:xfrm>
+                <a:off x="11133" y="3075"/>
+                <a:ext cx="7337" cy="3520"/>
+              </a:xfrm>
+              <a:prstGeom prst="roundRect">
+                <a:avLst/>
+              </a:prstGeom>
+            </p:spPr>
+            <p:style>
+              <a:lnRef idx="2">
+                <a:schemeClr val="accent1">
+                  <a:shade val="50000"/>
+                </a:schemeClr>
+              </a:lnRef>
+              <a:fillRef idx="1">
+                <a:schemeClr val="accent1"/>
+              </a:fillRef>
+              <a:effectRef idx="0">
+                <a:schemeClr val="accent1"/>
+              </a:effectRef>
+              <a:fontRef idx="minor">
+                <a:schemeClr val="lt1"/>
+              </a:fontRef>
+            </p:style>
+            <p:txBody>
+              <a:bodyPr rtlCol="0" anchor="ctr"/>
+              <a:p>
+                <a:pPr algn="ctr"/>
+                <a:endParaRPr lang="en-US" altLang="zh-CN" sz="1200"/>
+              </a:p>
+            </p:txBody>
+          </p:sp>
+          <p:sp>
+            <p:nvSpPr>
+              <p:cNvPr id="23" name="文本框 22"/>
+              <p:cNvSpPr txBox="1"/>
+              <p:nvPr/>
+            </p:nvSpPr>
+            <p:spPr>
+              <a:xfrm>
+                <a:off x="11418" y="3075"/>
+                <a:ext cx="4024" cy="483"/>
+              </a:xfrm>
+              <a:prstGeom prst="rect">
+                <a:avLst/>
+              </a:prstGeom>
+              <a:noFill/>
+            </p:spPr>
+            <p:txBody>
+              <a:bodyPr wrap="square" rtlCol="0" anchor="t">
+                <a:spAutoFit/>
+              </a:bodyPr>
+              <a:p>
+                <a:pPr algn="ctr"/>
+                <a:r>
+                  <a:rPr lang="en-US" altLang="zh-CN" sz="1400">
+                    <a:solidFill>
+                      <a:schemeClr val="bg1"/>
+                    </a:solidFill>
+                    <a:sym typeface="+mn-ea"/>
+                  </a:rPr>
+                  <a:t>nginx-deployment</a:t>
+                </a:r>
+                <a:endParaRPr lang="en-US" altLang="zh-CN" sz="1400">
+                  <a:solidFill>
+                    <a:schemeClr val="bg1"/>
+                  </a:solidFill>
+                  <a:sym typeface="+mn-ea"/>
+                </a:endParaRPr>
+              </a:p>
+            </p:txBody>
+          </p:sp>
+        </p:grpSp>
+        <p:sp>
+          <p:nvSpPr>
+            <p:cNvPr id="25" name="圆角矩形 24"/>
+            <p:cNvSpPr/>
+            <p:nvPr/>
+          </p:nvSpPr>
+          <p:spPr>
+            <a:xfrm>
+              <a:off x="11418" y="3781"/>
+              <a:ext cx="2770" cy="1079"/>
+            </a:xfrm>
+            <a:prstGeom prst="roundRect">
+              <a:avLst/>
+            </a:prstGeom>
+          </p:spPr>
+          <p:style>
+            <a:lnRef idx="2">
+              <a:schemeClr val="accent2">
+                <a:shade val="50000"/>
+              </a:schemeClr>
+            </a:lnRef>
+            <a:fillRef idx="1">
+              <a:schemeClr val="accent2"/>
+            </a:fillRef>
+            <a:effectRef idx="0">
+              <a:schemeClr val="accent2"/>
+            </a:effectRef>
+            <a:fontRef idx="minor">
+              <a:schemeClr val="lt1"/>
+            </a:fontRef>
+          </p:style>
+          <p:txBody>
+            <a:bodyPr rtlCol="0" anchor="ctr"/>
+            <a:p>
+              <a:pPr algn="ctr"/>
+              <a:r>
+                <a:rPr lang="en-US" altLang="zh-CN" sz="1200"/>
+                <a:t>pod</a:t>
+              </a:r>
+              <a:endParaRPr lang="en-US" altLang="zh-CN" sz="1200"/>
+            </a:p>
+            <a:p>
+              <a:pPr algn="ctr"/>
+              <a:r>
+                <a:rPr lang="en-US" altLang="zh-CN" sz="1200"/>
+                <a:t>nginx-deployment-xxxxx</a:t>
+              </a:r>
+              <a:endParaRPr lang="en-US" altLang="zh-CN" sz="1200"/>
+            </a:p>
+          </p:txBody>
+        </p:sp>
+        <p:sp>
+          <p:nvSpPr>
+            <p:cNvPr id="26" name="圆角矩形 25"/>
+            <p:cNvSpPr/>
+            <p:nvPr/>
+          </p:nvSpPr>
+          <p:spPr>
+            <a:xfrm>
+              <a:off x="14383" y="3781"/>
+              <a:ext cx="2770" cy="1079"/>
+            </a:xfrm>
+            <a:prstGeom prst="roundRect">
+              <a:avLst/>
+            </a:prstGeom>
+          </p:spPr>
+          <p:style>
+            <a:lnRef idx="2">
+              <a:schemeClr val="accent2">
+                <a:shade val="50000"/>
+              </a:schemeClr>
+            </a:lnRef>
+            <a:fillRef idx="1">
+              <a:schemeClr val="accent2"/>
+            </a:fillRef>
+            <a:effectRef idx="0">
+              <a:schemeClr val="accent2"/>
+            </a:effectRef>
+            <a:fontRef idx="minor">
+              <a:schemeClr val="lt1"/>
+            </a:fontRef>
+          </p:style>
+          <p:txBody>
+            <a:bodyPr rtlCol="0" anchor="ctr"/>
+            <a:p>
+              <a:pPr algn="ctr"/>
+              <a:r>
+                <a:rPr lang="en-US" altLang="zh-CN" sz="1200"/>
+                <a:t>pod</a:t>
+              </a:r>
+              <a:endParaRPr lang="en-US" altLang="zh-CN" sz="1200"/>
+            </a:p>
+            <a:p>
+              <a:pPr algn="ctr"/>
+              <a:r>
+                <a:rPr lang="en-US" altLang="zh-CN" sz="1200"/>
+                <a:t>nginx-deployment-xxxxx</a:t>
+              </a:r>
+              <a:endParaRPr lang="en-US" altLang="zh-CN" sz="1200"/>
+            </a:p>
+          </p:txBody>
+        </p:sp>
+        <p:sp>
+          <p:nvSpPr>
+            <p:cNvPr id="27" name="圆角矩形 26"/>
+            <p:cNvSpPr/>
+            <p:nvPr/>
+          </p:nvSpPr>
+          <p:spPr>
+            <a:xfrm>
+              <a:off x="11418" y="5084"/>
+              <a:ext cx="2770" cy="1079"/>
+            </a:xfrm>
+            <a:prstGeom prst="roundRect">
+              <a:avLst/>
+            </a:prstGeom>
+          </p:spPr>
+          <p:style>
+            <a:lnRef idx="2">
+              <a:schemeClr val="accent2">
+                <a:shade val="50000"/>
+              </a:schemeClr>
+            </a:lnRef>
+            <a:fillRef idx="1">
+              <a:schemeClr val="accent2"/>
+            </a:fillRef>
+            <a:effectRef idx="0">
+              <a:schemeClr val="accent2"/>
+            </a:effectRef>
+            <a:fontRef idx="minor">
+              <a:schemeClr val="lt1"/>
+            </a:fontRef>
+          </p:style>
+          <p:txBody>
+            <a:bodyPr rtlCol="0" anchor="ctr"/>
+            <a:p>
+              <a:pPr algn="ctr"/>
+              <a:r>
+                <a:rPr lang="en-US" altLang="zh-CN" sz="1200"/>
+                <a:t>pod</a:t>
+              </a:r>
+              <a:endParaRPr lang="en-US" altLang="zh-CN" sz="1200"/>
+            </a:p>
+            <a:p>
+              <a:pPr algn="ctr"/>
+              <a:r>
+                <a:rPr lang="en-US" altLang="zh-CN" sz="1200"/>
+                <a:t>nginx-deployment-xxxxx</a:t>
+              </a:r>
+              <a:endParaRPr lang="en-US" altLang="zh-CN" sz="1200"/>
+            </a:p>
+          </p:txBody>
+        </p:sp>
+        <p:sp>
+          <p:nvSpPr>
+            <p:cNvPr id="28" name="圆角矩形 27"/>
+            <p:cNvSpPr/>
+            <p:nvPr/>
+          </p:nvSpPr>
+          <p:spPr>
+            <a:xfrm>
+              <a:off x="14383" y="5084"/>
+              <a:ext cx="2770" cy="1079"/>
+            </a:xfrm>
+            <a:prstGeom prst="roundRect">
+              <a:avLst/>
+            </a:prstGeom>
+          </p:spPr>
+          <p:style>
+            <a:lnRef idx="2">
+              <a:schemeClr val="accent2">
+                <a:shade val="50000"/>
+              </a:schemeClr>
+            </a:lnRef>
+            <a:fillRef idx="1">
+              <a:schemeClr val="accent2"/>
+            </a:fillRef>
+            <a:effectRef idx="0">
+              <a:schemeClr val="accent2"/>
+            </a:effectRef>
+            <a:fontRef idx="minor">
+              <a:schemeClr val="lt1"/>
+            </a:fontRef>
+          </p:style>
+          <p:txBody>
+            <a:bodyPr rtlCol="0" anchor="ctr"/>
+            <a:p>
+              <a:pPr algn="ctr"/>
+              <a:r>
+                <a:rPr lang="en-US" altLang="zh-CN" sz="1200"/>
+                <a:t>......</a:t>
+              </a:r>
+              <a:endParaRPr lang="en-US" altLang="zh-CN" sz="1200"/>
+            </a:p>
+          </p:txBody>
+        </p:sp>
+      </p:grpSp>
+      <p:sp>
+        <p:nvSpPr>
+          <p:cNvPr id="30" name="文本框 29"/>
+          <p:cNvSpPr txBox="1"/>
+          <p:nvPr/>
+        </p:nvSpPr>
+        <p:spPr>
+          <a:xfrm>
+            <a:off x="7069455" y="1538605"/>
+            <a:ext cx="4897755" cy="737235"/>
+          </a:xfrm>
+          <a:prstGeom prst="rect">
+            <a:avLst/>
+          </a:prstGeom>
+          <a:noFill/>
+        </p:spPr>
+        <p:txBody>
+          <a:bodyPr wrap="square" rtlCol="0">
+            <a:spAutoFit/>
+          </a:bodyPr>
+          <a:p>
+            <a:pPr algn="l">
+              <a:lnSpc>
+                <a:spcPct val="150000"/>
+              </a:lnSpc>
+            </a:pPr>
+            <a:r>
+              <a:rPr lang="en-US" altLang="zh-CN" sz="1400">
+                <a:latin typeface="等线" panose="02010600030101010101" charset="-122"/>
+                <a:ea typeface="等线" panose="02010600030101010101" charset="-122"/>
+                <a:cs typeface="Times New Roman" panose="02020603050405020304" charset="0"/>
+              </a:rPr>
+              <a:t>kubectl autoscale deployment nginx-deployment --min=10 --max=15 --cpu-percent=80</a:t>
+            </a:r>
+            <a:endParaRPr lang="en-US" altLang="zh-CN" sz="1400">
+              <a:latin typeface="等线" panose="02010600030101010101" charset="-122"/>
+              <a:ea typeface="等线" panose="02010600030101010101" charset="-122"/>
+              <a:cs typeface="Times New Roman" panose="02020603050405020304" charset="0"/>
+            </a:endParaRPr>
+          </a:p>
+        </p:txBody>
+      </p:sp>
+    </p:spTree>
+    <p:custDataLst>
+      <p:tags r:id="rId2"/>
+    </p:custDataLst>
+  </p:cSld>
+  <p:clrMapOvr>
+    <a:masterClrMapping/>
+  </p:clrMapOvr>
+</p:sld>
+</file>
+
 <file path=ppt/tags/tag1.xml><?xml version="1.0" encoding="utf-8"?>
 <p:tagLst xmlns:p="http://schemas.openxmlformats.org/presentationml/2006/main">
   <p:tag name="KSO_WM_BEAUTIFY_FLAG" val="#wm#"/>
@@ -4114,6 +5700,22 @@
 </file>
 
 <file path=ppt/tags/tag2.xml><?xml version="1.0" encoding="utf-8"?>
+<p:tagLst xmlns:p="http://schemas.openxmlformats.org/presentationml/2006/main">
+  <p:tag name="KSO_WM_BEAUTIFY_FLAG" val="#wm#"/>
+  <p:tag name="KSO_WM_TEMPLATE_CATEGORY" val="diagram"/>
+  <p:tag name="KSO_WM_TEMPLATE_INDEX" val="20214755"/>
+</p:tagLst>
+</file>
+
+<file path=ppt/tags/tag3.xml><?xml version="1.0" encoding="utf-8"?>
+<p:tagLst xmlns:p="http://schemas.openxmlformats.org/presentationml/2006/main">
+  <p:tag name="KSO_WM_BEAUTIFY_FLAG" val="#wm#"/>
+  <p:tag name="KSO_WM_TEMPLATE_CATEGORY" val="diagram"/>
+  <p:tag name="KSO_WM_TEMPLATE_INDEX" val="20214755"/>
+</p:tagLst>
+</file>
+
+<file path=ppt/tags/tag4.xml><?xml version="1.0" encoding="utf-8"?>
 <p:tagLst xmlns:p="http://schemas.openxmlformats.org/presentationml/2006/main">
   <p:tag name="KSO_WM_BEAUTIFY_FLAG" val="#wm#"/>
   <p:tag name="KSO_WM_TEMPLATE_CATEGORY" val="diagram"/>
